--- a/wk 3 access + excel/Assignment One Outline.pptx
+++ b/wk 3 access + excel/Assignment One Outline.pptx
@@ -106,6 +106,11 @@
       </a:defRPr>
     </a:lvl9pPr>
   </p:defaultTextStyle>
+  <p:extLst>
+    <p:ext uri="{EFAFB233-063F-42B5-8137-9DF3F51BA10A}">
+      <p15:sldGuideLst xmlns:p15="http://schemas.microsoft.com/office/powerpoint/2012/main"/>
+    </p:ext>
+  </p:extLst>
 </p:presentation>
 </file>
 
@@ -240,7 +245,7 @@
           <a:p>
             <a:fld id="{198A5412-62B2-4DCA-B831-713E25FEB042}" type="datetimeFigureOut">
               <a:rPr lang="en-US" smtClean="0"/>
-              <a:t>9/15/2015</a:t>
+              <a:t>9/16/2015</a:t>
             </a:fld>
             <a:endParaRPr lang="en-US"/>
           </a:p>
@@ -410,7 +415,7 @@
           <a:p>
             <a:fld id="{198A5412-62B2-4DCA-B831-713E25FEB042}" type="datetimeFigureOut">
               <a:rPr lang="en-US" smtClean="0"/>
-              <a:t>9/15/2015</a:t>
+              <a:t>9/16/2015</a:t>
             </a:fld>
             <a:endParaRPr lang="en-US"/>
           </a:p>
@@ -590,7 +595,7 @@
           <a:p>
             <a:fld id="{198A5412-62B2-4DCA-B831-713E25FEB042}" type="datetimeFigureOut">
               <a:rPr lang="en-US" smtClean="0"/>
-              <a:t>9/15/2015</a:t>
+              <a:t>9/16/2015</a:t>
             </a:fld>
             <a:endParaRPr lang="en-US"/>
           </a:p>
@@ -760,7 +765,7 @@
           <a:p>
             <a:fld id="{198A5412-62B2-4DCA-B831-713E25FEB042}" type="datetimeFigureOut">
               <a:rPr lang="en-US" smtClean="0"/>
-              <a:t>9/15/2015</a:t>
+              <a:t>9/16/2015</a:t>
             </a:fld>
             <a:endParaRPr lang="en-US"/>
           </a:p>
@@ -1006,7 +1011,7 @@
           <a:p>
             <a:fld id="{198A5412-62B2-4DCA-B831-713E25FEB042}" type="datetimeFigureOut">
               <a:rPr lang="en-US" smtClean="0"/>
-              <a:t>9/15/2015</a:t>
+              <a:t>9/16/2015</a:t>
             </a:fld>
             <a:endParaRPr lang="en-US"/>
           </a:p>
@@ -1238,7 +1243,7 @@
           <a:p>
             <a:fld id="{198A5412-62B2-4DCA-B831-713E25FEB042}" type="datetimeFigureOut">
               <a:rPr lang="en-US" smtClean="0"/>
-              <a:t>9/15/2015</a:t>
+              <a:t>9/16/2015</a:t>
             </a:fld>
             <a:endParaRPr lang="en-US"/>
           </a:p>
@@ -1605,7 +1610,7 @@
           <a:p>
             <a:fld id="{198A5412-62B2-4DCA-B831-713E25FEB042}" type="datetimeFigureOut">
               <a:rPr lang="en-US" smtClean="0"/>
-              <a:t>9/15/2015</a:t>
+              <a:t>9/16/2015</a:t>
             </a:fld>
             <a:endParaRPr lang="en-US"/>
           </a:p>
@@ -1723,7 +1728,7 @@
           <a:p>
             <a:fld id="{198A5412-62B2-4DCA-B831-713E25FEB042}" type="datetimeFigureOut">
               <a:rPr lang="en-US" smtClean="0"/>
-              <a:t>9/15/2015</a:t>
+              <a:t>9/16/2015</a:t>
             </a:fld>
             <a:endParaRPr lang="en-US"/>
           </a:p>
@@ -1818,7 +1823,7 @@
           <a:p>
             <a:fld id="{198A5412-62B2-4DCA-B831-713E25FEB042}" type="datetimeFigureOut">
               <a:rPr lang="en-US" smtClean="0"/>
-              <a:t>9/15/2015</a:t>
+              <a:t>9/16/2015</a:t>
             </a:fld>
             <a:endParaRPr lang="en-US"/>
           </a:p>
@@ -2095,7 +2100,7 @@
           <a:p>
             <a:fld id="{198A5412-62B2-4DCA-B831-713E25FEB042}" type="datetimeFigureOut">
               <a:rPr lang="en-US" smtClean="0"/>
-              <a:t>9/15/2015</a:t>
+              <a:t>9/16/2015</a:t>
             </a:fld>
             <a:endParaRPr lang="en-US"/>
           </a:p>
@@ -2348,7 +2353,7 @@
           <a:p>
             <a:fld id="{198A5412-62B2-4DCA-B831-713E25FEB042}" type="datetimeFigureOut">
               <a:rPr lang="en-US" smtClean="0"/>
-              <a:t>9/15/2015</a:t>
+              <a:t>9/16/2015</a:t>
             </a:fld>
             <a:endParaRPr lang="en-US"/>
           </a:p>
@@ -2561,7 +2566,7 @@
           <a:p>
             <a:fld id="{198A5412-62B2-4DCA-B831-713E25FEB042}" type="datetimeFigureOut">
               <a:rPr lang="en-US" smtClean="0"/>
-              <a:t>9/15/2015</a:t>
+              <a:t>9/16/2015</a:t>
             </a:fld>
             <a:endParaRPr lang="en-US"/>
           </a:p>
@@ -3018,6 +3023,13 @@
   <p:clrMapOvr>
     <a:masterClrMapping/>
   </p:clrMapOvr>
+  <p:timing>
+    <p:tnLst>
+      <p:par>
+        <p:cTn id="1" dur="indefinite" restart="never" nodeType="tmRoot"/>
+      </p:par>
+    </p:tnLst>
+  </p:timing>
 </p:sld>
 </file>
 
@@ -3236,6 +3248,13 @@
   <p:clrMapOvr>
     <a:masterClrMapping/>
   </p:clrMapOvr>
+  <p:timing>
+    <p:tnLst>
+      <p:par>
+        <p:cTn id="1" dur="indefinite" restart="never" nodeType="tmRoot"/>
+      </p:par>
+    </p:tnLst>
+  </p:timing>
 </p:sld>
 </file>
 
@@ -3336,6 +3355,13 @@
   <p:clrMapOvr>
     <a:masterClrMapping/>
   </p:clrMapOvr>
+  <p:timing>
+    <p:tnLst>
+      <p:par>
+        <p:cTn id="1" dur="indefinite" restart="never" nodeType="tmRoot"/>
+      </p:par>
+    </p:tnLst>
+  </p:timing>
 </p:sld>
 </file>
 
